--- a/Strat of the Ages.pptx
+++ b/Strat of the Ages.pptx
@@ -9,9 +9,11 @@
     <p:sldId id="257" r:id="rId3"/>
     <p:sldId id="258" r:id="rId4"/>
     <p:sldId id="259" r:id="rId5"/>
-    <p:sldId id="260" r:id="rId6"/>
-    <p:sldId id="261" r:id="rId7"/>
-    <p:sldId id="262" r:id="rId8"/>
+    <p:sldId id="263" r:id="rId6"/>
+    <p:sldId id="260" r:id="rId7"/>
+    <p:sldId id="264" r:id="rId8"/>
+    <p:sldId id="261" r:id="rId9"/>
+    <p:sldId id="262" r:id="rId10"/>
   </p:sldIdLst>
   <p:sldSz cx="9144000" cy="6858000" type="screen4x3"/>
   <p:notesSz cx="6858000" cy="9144000"/>
@@ -403,7 +405,7 @@
           <a:p>
             <a:fld id="{8CC6B2EE-4859-4455-8E18-03BDD1114160}" type="datetimeFigureOut">
               <a:rPr lang="en-US" smtClean="0"/>
-              <a:t>12/16/2013</a:t>
+              <a:t>12/17/2013</a:t>
             </a:fld>
             <a:endParaRPr lang="en-US"/>
           </a:p>
@@ -568,7 +570,7 @@
           <a:p>
             <a:fld id="{8CC6B2EE-4859-4455-8E18-03BDD1114160}" type="datetimeFigureOut">
               <a:rPr lang="en-US" smtClean="0"/>
-              <a:t>12/16/2013</a:t>
+              <a:t>12/17/2013</a:t>
             </a:fld>
             <a:endParaRPr lang="en-US"/>
           </a:p>
@@ -743,7 +745,7 @@
           <a:p>
             <a:fld id="{8CC6B2EE-4859-4455-8E18-03BDD1114160}" type="datetimeFigureOut">
               <a:rPr lang="en-US" smtClean="0"/>
-              <a:t>12/16/2013</a:t>
+              <a:t>12/17/2013</a:t>
             </a:fld>
             <a:endParaRPr lang="en-US"/>
           </a:p>
@@ -890,7 +892,7 @@
           <a:p>
             <a:fld id="{8CC6B2EE-4859-4455-8E18-03BDD1114160}" type="datetimeFigureOut">
               <a:rPr lang="en-US" smtClean="0"/>
-              <a:t>12/16/2013</a:t>
+              <a:t>12/17/2013</a:t>
             </a:fld>
             <a:endParaRPr lang="en-US"/>
           </a:p>
@@ -1007,7 +1009,7 @@
           <a:p>
             <a:fld id="{8CC6B2EE-4859-4455-8E18-03BDD1114160}" type="datetimeFigureOut">
               <a:rPr lang="en-US" smtClean="0"/>
-              <a:t>12/16/2013</a:t>
+              <a:t>12/17/2013</a:t>
             </a:fld>
             <a:endParaRPr lang="en-US"/>
           </a:p>
@@ -1277,7 +1279,7 @@
           <a:p>
             <a:fld id="{8CC6B2EE-4859-4455-8E18-03BDD1114160}" type="datetimeFigureOut">
               <a:rPr lang="en-US" smtClean="0"/>
-              <a:t>12/16/2013</a:t>
+              <a:t>12/17/2013</a:t>
             </a:fld>
             <a:endParaRPr lang="en-US"/>
           </a:p>
@@ -1546,7 +1548,7 @@
           <a:p>
             <a:fld id="{8CC6B2EE-4859-4455-8E18-03BDD1114160}" type="datetimeFigureOut">
               <a:rPr lang="en-US" smtClean="0"/>
-              <a:t>12/16/2013</a:t>
+              <a:t>12/17/2013</a:t>
             </a:fld>
             <a:endParaRPr lang="en-US"/>
           </a:p>
@@ -1993,7 +1995,7 @@
           <a:p>
             <a:fld id="{8CC6B2EE-4859-4455-8E18-03BDD1114160}" type="datetimeFigureOut">
               <a:rPr lang="en-US" smtClean="0"/>
-              <a:t>12/16/2013</a:t>
+              <a:t>12/17/2013</a:t>
             </a:fld>
             <a:endParaRPr lang="en-US"/>
           </a:p>
@@ -2106,7 +2108,7 @@
           <a:p>
             <a:fld id="{8CC6B2EE-4859-4455-8E18-03BDD1114160}" type="datetimeFigureOut">
               <a:rPr lang="en-US" smtClean="0"/>
-              <a:t>12/16/2013</a:t>
+              <a:t>12/17/2013</a:t>
             </a:fld>
             <a:endParaRPr lang="en-US"/>
           </a:p>
@@ -2356,7 +2358,7 @@
           <a:p>
             <a:fld id="{8CC6B2EE-4859-4455-8E18-03BDD1114160}" type="datetimeFigureOut">
               <a:rPr lang="en-US" smtClean="0"/>
-              <a:t>12/16/2013</a:t>
+              <a:t>12/17/2013</a:t>
             </a:fld>
             <a:endParaRPr lang="en-US"/>
           </a:p>
@@ -2596,7 +2598,7 @@
           <a:p>
             <a:fld id="{8CC6B2EE-4859-4455-8E18-03BDD1114160}" type="datetimeFigureOut">
               <a:rPr lang="en-US" smtClean="0"/>
-              <a:t>12/16/2013</a:t>
+              <a:t>12/17/2013</a:t>
             </a:fld>
             <a:endParaRPr lang="en-US"/>
           </a:p>
@@ -2769,7 +2771,7 @@
           <a:p>
             <a:fld id="{8CC6B2EE-4859-4455-8E18-03BDD1114160}" type="datetimeFigureOut">
               <a:rPr lang="en-US" smtClean="0"/>
-              <a:t>12/16/2013</a:t>
+              <a:t>12/17/2013</a:t>
             </a:fld>
             <a:endParaRPr lang="en-US"/>
           </a:p>
@@ -3373,7 +3375,12 @@
             <p:ph type="title"/>
           </p:nvPr>
         </p:nvSpPr>
-        <p:spPr/>
+        <p:spPr>
+          <a:xfrm>
+            <a:off x="381000" y="152400"/>
+            <a:ext cx="8229600" cy="1219200"/>
+          </a:xfrm>
+        </p:spPr>
         <p:txBody>
           <a:bodyPr/>
           <a:lstStyle/>
@@ -3754,7 +3761,49 @@
           <a:bodyPr/>
           <a:lstStyle/>
           <a:p>
-            <a:endParaRPr lang="en-US"/>
+            <a:r>
+              <a:rPr lang="en-US" dirty="0" err="1" smtClean="0"/>
+              <a:t>Git</a:t>
+            </a:r>
+            <a:r>
+              <a:rPr lang="en-US" dirty="0" smtClean="0"/>
+              <a:t> /</a:t>
+            </a:r>
+            <a:r>
+              <a:rPr lang="en-US" dirty="0" err="1" smtClean="0"/>
+              <a:t>Github</a:t>
+            </a:r>
+            <a:endParaRPr lang="en-US" dirty="0" smtClean="0"/>
+          </a:p>
+          <a:p>
+            <a:pPr lvl="1"/>
+            <a:r>
+              <a:rPr lang="en-US" dirty="0" smtClean="0"/>
+              <a:t>Issues</a:t>
+            </a:r>
+          </a:p>
+          <a:p>
+            <a:pPr lvl="1"/>
+            <a:r>
+              <a:rPr lang="en-US" dirty="0" smtClean="0"/>
+              <a:t>Milestones</a:t>
+            </a:r>
+          </a:p>
+          <a:p>
+            <a:pPr lvl="1"/>
+            <a:r>
+              <a:rPr lang="en-US" dirty="0" smtClean="0"/>
+              <a:t>Wiki</a:t>
+            </a:r>
+          </a:p>
+          <a:p>
+            <a:r>
+              <a:rPr lang="en-US" dirty="0" smtClean="0"/>
+              <a:t>Visual Studio integrated</a:t>
+            </a:r>
+          </a:p>
+          <a:p>
+            <a:endParaRPr lang="en-US" dirty="0"/>
           </a:p>
         </p:txBody>
       </p:sp>
@@ -3775,16 +3824,124 @@
           <a:p>
             <a:r>
               <a:rPr lang="en-US" dirty="0" smtClean="0"/>
-              <a:t>Demo</a:t>
+              <a:t>Issue Tracking</a:t>
             </a:r>
             <a:endParaRPr lang="en-US" dirty="0"/>
           </a:p>
         </p:txBody>
       </p:sp>
+      <p:pic>
+        <p:nvPicPr>
+          <p:cNvPr id="1026" name="Picture 2"/>
+          <p:cNvPicPr>
+            <a:picLocks noChangeAspect="1" noChangeArrowheads="1"/>
+          </p:cNvPicPr>
+          <p:nvPr/>
+        </p:nvPicPr>
+        <p:blipFill>
+          <a:blip r:embed="rId2">
+            <a:extLst>
+              <a:ext uri="{28A0092B-C50C-407E-A947-70E740481C1C}">
+                <a14:useLocalDpi xmlns:a14="http://schemas.microsoft.com/office/drawing/2010/main" val="0"/>
+              </a:ext>
+            </a:extLst>
+          </a:blip>
+          <a:srcRect/>
+          <a:stretch>
+            <a:fillRect/>
+          </a:stretch>
+        </p:blipFill>
+        <p:spPr bwMode="auto">
+          <a:xfrm>
+            <a:off x="7017341" y="1765685"/>
+            <a:ext cx="1612307" cy="4698229"/>
+          </a:xfrm>
+          <a:prstGeom prst="rect">
+            <a:avLst/>
+          </a:prstGeom>
+          <a:noFill/>
+          <a:ln>
+            <a:noFill/>
+          </a:ln>
+          <a:extLst>
+            <a:ext uri="{909E8E84-426E-40DD-AFC4-6F175D3DCCD1}">
+              <a14:hiddenFill xmlns:a14="http://schemas.microsoft.com/office/drawing/2010/main">
+                <a:solidFill>
+                  <a:schemeClr val="accent1"/>
+                </a:solidFill>
+              </a14:hiddenFill>
+            </a:ext>
+            <a:ext uri="{91240B29-F687-4F45-9708-019B960494DF}">
+              <a14:hiddenLine xmlns:a14="http://schemas.microsoft.com/office/drawing/2010/main" w="9525">
+                <a:solidFill>
+                  <a:schemeClr val="tx1"/>
+                </a:solidFill>
+                <a:miter lim="800000"/>
+                <a:headEnd/>
+                <a:tailEnd/>
+              </a14:hiddenLine>
+            </a:ext>
+          </a:extLst>
+        </p:spPr>
+      </p:pic>
+      <p:pic>
+        <p:nvPicPr>
+          <p:cNvPr id="1027" name="Picture 3"/>
+          <p:cNvPicPr>
+            <a:picLocks noChangeAspect="1" noChangeArrowheads="1"/>
+          </p:cNvPicPr>
+          <p:nvPr/>
+        </p:nvPicPr>
+        <p:blipFill>
+          <a:blip r:embed="rId3" cstate="print">
+            <a:extLst>
+              <a:ext uri="{28A0092B-C50C-407E-A947-70E740481C1C}">
+                <a14:useLocalDpi xmlns:a14="http://schemas.microsoft.com/office/drawing/2010/main" val="0"/>
+              </a:ext>
+            </a:extLst>
+          </a:blip>
+          <a:srcRect/>
+          <a:stretch>
+            <a:fillRect/>
+          </a:stretch>
+        </p:blipFill>
+        <p:spPr bwMode="auto">
+          <a:xfrm>
+            <a:off x="3276600" y="4183543"/>
+            <a:ext cx="3457575" cy="2280371"/>
+          </a:xfrm>
+          <a:prstGeom prst="rect">
+            <a:avLst/>
+          </a:prstGeom>
+          <a:noFill/>
+          <a:ln>
+            <a:noFill/>
+          </a:ln>
+          <a:extLst>
+            <a:ext uri="{909E8E84-426E-40DD-AFC4-6F175D3DCCD1}">
+              <a14:hiddenFill xmlns:a14="http://schemas.microsoft.com/office/drawing/2010/main">
+                <a:solidFill>
+                  <a:schemeClr val="accent1"/>
+                </a:solidFill>
+              </a14:hiddenFill>
+            </a:ext>
+            <a:ext uri="{91240B29-F687-4F45-9708-019B960494DF}">
+              <a14:hiddenLine xmlns:a14="http://schemas.microsoft.com/office/drawing/2010/main" w="9525">
+                <a:solidFill>
+                  <a:schemeClr val="tx1"/>
+                </a:solidFill>
+                <a:miter lim="800000"/>
+                <a:headEnd/>
+                <a:tailEnd/>
+              </a14:hiddenLine>
+            </a:ext>
+          </a:extLst>
+        </p:spPr>
+      </p:pic>
     </p:spTree>
     <p:extLst>
       <p:ext uri="{BB962C8B-B14F-4D97-AF65-F5344CB8AC3E}">
-        <p14:creationId xmlns:p14="http://schemas.microsoft.com/office/powerpoint/2010/main" val="649906955"/>
+        <p14:creationId xmlns:p14="http://schemas.microsoft.com/office/powerpoint/2010/main" val="1396330092"/>
       </p:ext>
     </p:extLst>
   </p:cSld>
@@ -3854,6 +4011,181 @@
           <a:p>
             <a:r>
               <a:rPr lang="en-US" dirty="0" smtClean="0"/>
+              <a:t>Demo</a:t>
+            </a:r>
+            <a:endParaRPr lang="en-US" dirty="0"/>
+          </a:p>
+        </p:txBody>
+      </p:sp>
+    </p:spTree>
+    <p:extLst>
+      <p:ext uri="{BB962C8B-B14F-4D97-AF65-F5344CB8AC3E}">
+        <p14:creationId xmlns:p14="http://schemas.microsoft.com/office/powerpoint/2010/main" val="649906955"/>
+      </p:ext>
+    </p:extLst>
+  </p:cSld>
+  <p:clrMapOvr>
+    <a:masterClrMapping/>
+  </p:clrMapOvr>
+  <p:timing>
+    <p:tnLst>
+      <p:par>
+        <p:cTn id="1" dur="indefinite" restart="never" nodeType="tmRoot"/>
+      </p:par>
+    </p:tnLst>
+  </p:timing>
+</p:sld>
+</file>
+
+<file path=ppt/slides/slide7.xml><?xml version="1.0" encoding="utf-8"?>
+<p:sld xmlns:a="http://schemas.openxmlformats.org/drawingml/2006/main" xmlns:r="http://schemas.openxmlformats.org/officeDocument/2006/relationships" xmlns:p="http://schemas.openxmlformats.org/presentationml/2006/main">
+  <p:cSld>
+    <p:spTree>
+      <p:nvGrpSpPr>
+        <p:cNvPr id="1" name=""/>
+        <p:cNvGrpSpPr/>
+        <p:nvPr/>
+      </p:nvGrpSpPr>
+      <p:grpSpPr>
+        <a:xfrm>
+          <a:off x="0" y="0"/>
+          <a:ext cx="0" cy="0"/>
+          <a:chOff x="0" y="0"/>
+          <a:chExt cx="0" cy="0"/>
+        </a:xfrm>
+      </p:grpSpPr>
+      <p:sp>
+        <p:nvSpPr>
+          <p:cNvPr id="2" name="Content Placeholder 1"/>
+          <p:cNvSpPr>
+            <a:spLocks noGrp="1"/>
+          </p:cNvSpPr>
+          <p:nvPr>
+            <p:ph idx="1"/>
+          </p:nvPr>
+        </p:nvSpPr>
+        <p:spPr/>
+        <p:txBody>
+          <a:bodyPr/>
+          <a:lstStyle/>
+          <a:p>
+            <a:r>
+              <a:rPr lang="en-US" dirty="0" smtClean="0"/>
+              <a:t>Understand code before attempting to use it</a:t>
+            </a:r>
+          </a:p>
+          <a:p>
+            <a:pPr lvl="1"/>
+            <a:r>
+              <a:rPr lang="en-US" dirty="0" smtClean="0"/>
+              <a:t>Ask questions</a:t>
+            </a:r>
+          </a:p>
+          <a:p>
+            <a:r>
+              <a:rPr lang="en-US" dirty="0" smtClean="0"/>
+              <a:t>Balance programming vs planning</a:t>
+            </a:r>
+            <a:endParaRPr lang="en-US" dirty="0"/>
+          </a:p>
+        </p:txBody>
+      </p:sp>
+      <p:sp>
+        <p:nvSpPr>
+          <p:cNvPr id="3" name="Title 2"/>
+          <p:cNvSpPr>
+            <a:spLocks noGrp="1"/>
+          </p:cNvSpPr>
+          <p:nvPr>
+            <p:ph type="title"/>
+          </p:nvPr>
+        </p:nvSpPr>
+        <p:spPr/>
+        <p:txBody>
+          <a:bodyPr/>
+          <a:lstStyle/>
+          <a:p>
+            <a:r>
+              <a:rPr lang="en-US" dirty="0" smtClean="0"/>
+              <a:t>Lessons Learned</a:t>
+            </a:r>
+            <a:endParaRPr lang="en-US" dirty="0"/>
+          </a:p>
+        </p:txBody>
+      </p:sp>
+    </p:spTree>
+    <p:extLst>
+      <p:ext uri="{BB962C8B-B14F-4D97-AF65-F5344CB8AC3E}">
+        <p14:creationId xmlns:p14="http://schemas.microsoft.com/office/powerpoint/2010/main" val="3882224890"/>
+      </p:ext>
+    </p:extLst>
+  </p:cSld>
+  <p:clrMapOvr>
+    <a:masterClrMapping/>
+  </p:clrMapOvr>
+  <p:timing>
+    <p:tnLst>
+      <p:par>
+        <p:cTn id="1" dur="indefinite" restart="never" nodeType="tmRoot"/>
+      </p:par>
+    </p:tnLst>
+  </p:timing>
+</p:sld>
+</file>
+
+<file path=ppt/slides/slide8.xml><?xml version="1.0" encoding="utf-8"?>
+<p:sld xmlns:a="http://schemas.openxmlformats.org/drawingml/2006/main" xmlns:r="http://schemas.openxmlformats.org/officeDocument/2006/relationships" xmlns:p="http://schemas.openxmlformats.org/presentationml/2006/main">
+  <p:cSld>
+    <p:spTree>
+      <p:nvGrpSpPr>
+        <p:cNvPr id="1" name=""/>
+        <p:cNvGrpSpPr/>
+        <p:nvPr/>
+      </p:nvGrpSpPr>
+      <p:grpSpPr>
+        <a:xfrm>
+          <a:off x="0" y="0"/>
+          <a:ext cx="0" cy="0"/>
+          <a:chOff x="0" y="0"/>
+          <a:chExt cx="0" cy="0"/>
+        </a:xfrm>
+      </p:grpSpPr>
+      <p:sp>
+        <p:nvSpPr>
+          <p:cNvPr id="2" name="Content Placeholder 1"/>
+          <p:cNvSpPr>
+            <a:spLocks noGrp="1"/>
+          </p:cNvSpPr>
+          <p:nvPr>
+            <p:ph idx="1"/>
+          </p:nvPr>
+        </p:nvSpPr>
+        <p:spPr/>
+        <p:txBody>
+          <a:bodyPr/>
+          <a:lstStyle/>
+          <a:p>
+            <a:endParaRPr lang="en-US"/>
+          </a:p>
+        </p:txBody>
+      </p:sp>
+      <p:sp>
+        <p:nvSpPr>
+          <p:cNvPr id="3" name="Title 2"/>
+          <p:cNvSpPr>
+            <a:spLocks noGrp="1"/>
+          </p:cNvSpPr>
+          <p:nvPr>
+            <p:ph type="title"/>
+          </p:nvPr>
+        </p:nvSpPr>
+        <p:spPr/>
+        <p:txBody>
+          <a:bodyPr/>
+          <a:lstStyle/>
+          <a:p>
+            <a:r>
+              <a:rPr lang="en-US" dirty="0" smtClean="0"/>
               <a:t>Questions</a:t>
             </a:r>
             <a:endParaRPr lang="en-US" dirty="0"/>
@@ -3880,7 +4212,7 @@
 </p:sld>
 </file>
 
-<file path=ppt/slides/slide7.xml><?xml version="1.0" encoding="utf-8"?>
+<file path=ppt/slides/slide9.xml><?xml version="1.0" encoding="utf-8"?>
 <p:sld xmlns:a="http://schemas.openxmlformats.org/drawingml/2006/main" xmlns:r="http://schemas.openxmlformats.org/officeDocument/2006/relationships" xmlns:p="http://schemas.openxmlformats.org/presentationml/2006/main">
   <p:cSld>
     <p:spTree>
